--- a/Project_Presentation.pptx
+++ b/Project_Presentation.pptx
@@ -318,7 +318,7 @@
           <a:p>
             <a:fld id="{A17621FD-A1D1-48C3-8943-FB7C5ADE8A53}" type="datetimeFigureOut">
               <a:rPr lang="vi-VN" smtClean="0"/>
-              <a:t>24/08/2022</a:t>
+              <a:t>15/11/2022</a:t>
             </a:fld>
             <a:endParaRPr lang="vi-VN"/>
           </a:p>
@@ -516,7 +516,7 @@
           <a:p>
             <a:fld id="{A17621FD-A1D1-48C3-8943-FB7C5ADE8A53}" type="datetimeFigureOut">
               <a:rPr lang="vi-VN" smtClean="0"/>
-              <a:t>24/08/2022</a:t>
+              <a:t>15/11/2022</a:t>
             </a:fld>
             <a:endParaRPr lang="vi-VN"/>
           </a:p>
@@ -724,7 +724,7 @@
           <a:p>
             <a:fld id="{A17621FD-A1D1-48C3-8943-FB7C5ADE8A53}" type="datetimeFigureOut">
               <a:rPr lang="vi-VN" smtClean="0"/>
-              <a:t>24/08/2022</a:t>
+              <a:t>15/11/2022</a:t>
             </a:fld>
             <a:endParaRPr lang="vi-VN"/>
           </a:p>
@@ -922,7 +922,7 @@
           <a:p>
             <a:fld id="{A17621FD-A1D1-48C3-8943-FB7C5ADE8A53}" type="datetimeFigureOut">
               <a:rPr lang="vi-VN" smtClean="0"/>
-              <a:t>24/08/2022</a:t>
+              <a:t>15/11/2022</a:t>
             </a:fld>
             <a:endParaRPr lang="vi-VN"/>
           </a:p>
@@ -1197,7 +1197,7 @@
           <a:p>
             <a:fld id="{A17621FD-A1D1-48C3-8943-FB7C5ADE8A53}" type="datetimeFigureOut">
               <a:rPr lang="vi-VN" smtClean="0"/>
-              <a:t>24/08/2022</a:t>
+              <a:t>15/11/2022</a:t>
             </a:fld>
             <a:endParaRPr lang="vi-VN"/>
           </a:p>
@@ -1462,7 +1462,7 @@
           <a:p>
             <a:fld id="{A17621FD-A1D1-48C3-8943-FB7C5ADE8A53}" type="datetimeFigureOut">
               <a:rPr lang="vi-VN" smtClean="0"/>
-              <a:t>24/08/2022</a:t>
+              <a:t>15/11/2022</a:t>
             </a:fld>
             <a:endParaRPr lang="vi-VN"/>
           </a:p>
@@ -1874,7 +1874,7 @@
           <a:p>
             <a:fld id="{A17621FD-A1D1-48C3-8943-FB7C5ADE8A53}" type="datetimeFigureOut">
               <a:rPr lang="vi-VN" smtClean="0"/>
-              <a:t>24/08/2022</a:t>
+              <a:t>15/11/2022</a:t>
             </a:fld>
             <a:endParaRPr lang="vi-VN"/>
           </a:p>
@@ -2015,7 +2015,7 @@
           <a:p>
             <a:fld id="{A17621FD-A1D1-48C3-8943-FB7C5ADE8A53}" type="datetimeFigureOut">
               <a:rPr lang="vi-VN" smtClean="0"/>
-              <a:t>24/08/2022</a:t>
+              <a:t>15/11/2022</a:t>
             </a:fld>
             <a:endParaRPr lang="vi-VN"/>
           </a:p>
@@ -2128,7 +2128,7 @@
           <a:p>
             <a:fld id="{A17621FD-A1D1-48C3-8943-FB7C5ADE8A53}" type="datetimeFigureOut">
               <a:rPr lang="vi-VN" smtClean="0"/>
-              <a:t>24/08/2022</a:t>
+              <a:t>15/11/2022</a:t>
             </a:fld>
             <a:endParaRPr lang="vi-VN"/>
           </a:p>
@@ -2439,7 +2439,7 @@
           <a:p>
             <a:fld id="{A17621FD-A1D1-48C3-8943-FB7C5ADE8A53}" type="datetimeFigureOut">
               <a:rPr lang="vi-VN" smtClean="0"/>
-              <a:t>24/08/2022</a:t>
+              <a:t>15/11/2022</a:t>
             </a:fld>
             <a:endParaRPr lang="vi-VN"/>
           </a:p>
@@ -2727,7 +2727,7 @@
           <a:p>
             <a:fld id="{A17621FD-A1D1-48C3-8943-FB7C5ADE8A53}" type="datetimeFigureOut">
               <a:rPr lang="vi-VN" smtClean="0"/>
-              <a:t>24/08/2022</a:t>
+              <a:t>15/11/2022</a:t>
             </a:fld>
             <a:endParaRPr lang="vi-VN"/>
           </a:p>
@@ -2968,7 +2968,7 @@
           <a:p>
             <a:fld id="{A17621FD-A1D1-48C3-8943-FB7C5ADE8A53}" type="datetimeFigureOut">
               <a:rPr lang="vi-VN" smtClean="0"/>
-              <a:t>24/08/2022</a:t>
+              <a:t>15/11/2022</a:t>
             </a:fld>
             <a:endParaRPr lang="vi-VN"/>
           </a:p>
@@ -16352,13 +16352,13 @@
   <p:clrMapOvr>
     <a:masterClrMapping/>
   </p:clrMapOvr>
-  <mc:AlternateContent xmlns:mc="http://schemas.openxmlformats.org/markup-compatibility/2006">
-    <mc:Choice xmlns:p159="http://schemas.microsoft.com/office/powerpoint/2015/09/main" Requires="p159">
+  <mc:AlternateContent xmlns:mc="http://schemas.openxmlformats.org/markup-compatibility/2006" xmlns:p159="http://schemas.microsoft.com/office/powerpoint/2015/09/main">
+    <mc:Choice Requires="p159">
       <p:transition xmlns:p14="http://schemas.microsoft.com/office/powerpoint/2010/main" spd="slow" p14:dur="2000">
         <p159:morph option="byObject"/>
       </p:transition>
     </mc:Choice>
-    <mc:Fallback>
+    <mc:Fallback xmlns="">
       <p:transition spd="slow">
         <p:fade/>
       </p:transition>
@@ -16962,13 +16962,13 @@
   <p:clrMapOvr>
     <a:masterClrMapping/>
   </p:clrMapOvr>
-  <mc:AlternateContent xmlns:mc="http://schemas.openxmlformats.org/markup-compatibility/2006">
-    <mc:Choice xmlns:p159="http://schemas.microsoft.com/office/powerpoint/2015/09/main" Requires="p159">
+  <mc:AlternateContent xmlns:mc="http://schemas.openxmlformats.org/markup-compatibility/2006" xmlns:p159="http://schemas.microsoft.com/office/powerpoint/2015/09/main">
+    <mc:Choice Requires="p159">
       <p:transition xmlns:p14="http://schemas.microsoft.com/office/powerpoint/2010/main" spd="slow" p14:dur="2000">
         <p159:morph option="byObject"/>
       </p:transition>
     </mc:Choice>
-    <mc:Fallback>
+    <mc:Fallback xmlns="">
       <p:transition spd="slow">
         <p:fade/>
       </p:transition>
@@ -17540,13 +17540,13 @@
   <p:clrMapOvr>
     <a:masterClrMapping/>
   </p:clrMapOvr>
-  <mc:AlternateContent xmlns:mc="http://schemas.openxmlformats.org/markup-compatibility/2006">
-    <mc:Choice xmlns:p159="http://schemas.microsoft.com/office/powerpoint/2015/09/main" Requires="p159">
+  <mc:AlternateContent xmlns:mc="http://schemas.openxmlformats.org/markup-compatibility/2006" xmlns:p159="http://schemas.microsoft.com/office/powerpoint/2015/09/main">
+    <mc:Choice Requires="p159">
       <p:transition xmlns:p14="http://schemas.microsoft.com/office/powerpoint/2010/main" spd="slow" p14:dur="2000">
         <p159:morph option="byObject"/>
       </p:transition>
     </mc:Choice>
-    <mc:Fallback>
+    <mc:Fallback xmlns="">
       <p:transition spd="slow">
         <p:fade/>
       </p:transition>
@@ -18118,13 +18118,13 @@
   <p:clrMapOvr>
     <a:masterClrMapping/>
   </p:clrMapOvr>
-  <mc:AlternateContent xmlns:mc="http://schemas.openxmlformats.org/markup-compatibility/2006">
-    <mc:Choice xmlns:p159="http://schemas.microsoft.com/office/powerpoint/2015/09/main" Requires="p159">
+  <mc:AlternateContent xmlns:mc="http://schemas.openxmlformats.org/markup-compatibility/2006" xmlns:p159="http://schemas.microsoft.com/office/powerpoint/2015/09/main">
+    <mc:Choice Requires="p159">
       <p:transition xmlns:p14="http://schemas.microsoft.com/office/powerpoint/2010/main" spd="slow" p14:dur="2000">
         <p159:morph option="byObject"/>
       </p:transition>
     </mc:Choice>
-    <mc:Fallback>
+    <mc:Fallback xmlns="">
       <p:transition spd="slow">
         <p:fade/>
       </p:transition>
@@ -35873,7 +35873,7 @@
                 <a:ea typeface="Calibri" panose="020F0502020204030204" pitchFamily="34" charset="0"/>
                 <a:cs typeface="Calibri" panose="020F0502020204030204" pitchFamily="34" charset="0"/>
               </a:rPr>
-              <a:t> = 0.05: p-value &lt; </a:t>
+              <a:t> = 0.05: p-value &gt; </a:t>
             </a:r>
             <a:r>
               <a:rPr lang="vi-VN" sz="2000">
@@ -36570,7 +36570,7 @@
                 <a:ea typeface="Calibri" panose="020F0502020204030204" pitchFamily="34" charset="0"/>
                 <a:cs typeface="Calibri" panose="020F0502020204030204" pitchFamily="34" charset="0"/>
               </a:rPr>
-              <a:t> = 0.05: p-value &lt; </a:t>
+              <a:t> = 0.05: p-value &gt; </a:t>
             </a:r>
             <a:r>
               <a:rPr lang="vi-VN" sz="2000">
@@ -36812,7 +36812,7 @@
                 <a:ea typeface="Calibri" panose="020F0502020204030204" pitchFamily="34" charset="0"/>
                 <a:cs typeface="Calibri" panose="020F0502020204030204" pitchFamily="34" charset="0"/>
               </a:rPr>
-              <a:t> = 0.05: p-value &lt; </a:t>
+              <a:t> = 0.05: p-value &gt; </a:t>
             </a:r>
             <a:r>
               <a:rPr lang="vi-VN" sz="2000">
@@ -48074,13 +48074,13 @@
   <p:clrMapOvr>
     <a:masterClrMapping/>
   </p:clrMapOvr>
-  <mc:AlternateContent xmlns:mc="http://schemas.openxmlformats.org/markup-compatibility/2006">
-    <mc:Choice xmlns:p159="http://schemas.microsoft.com/office/powerpoint/2015/09/main" Requires="p159">
+  <mc:AlternateContent xmlns:mc="http://schemas.openxmlformats.org/markup-compatibility/2006" xmlns:p159="http://schemas.microsoft.com/office/powerpoint/2015/09/main">
+    <mc:Choice Requires="p159">
       <p:transition xmlns:p14="http://schemas.microsoft.com/office/powerpoint/2010/main" spd="slow" p14:dur="2000">
         <p159:morph option="byObject"/>
       </p:transition>
     </mc:Choice>
-    <mc:Fallback>
+    <mc:Fallback xmlns="">
       <p:transition spd="slow">
         <p:fade/>
       </p:transition>
@@ -48780,13 +48780,13 @@
   <p:clrMapOvr>
     <a:masterClrMapping/>
   </p:clrMapOvr>
-  <mc:AlternateContent xmlns:mc="http://schemas.openxmlformats.org/markup-compatibility/2006">
-    <mc:Choice xmlns:p159="http://schemas.microsoft.com/office/powerpoint/2015/09/main" Requires="p159">
+  <mc:AlternateContent xmlns:mc="http://schemas.openxmlformats.org/markup-compatibility/2006" xmlns:p159="http://schemas.microsoft.com/office/powerpoint/2015/09/main">
+    <mc:Choice Requires="p159">
       <p:transition xmlns:p14="http://schemas.microsoft.com/office/powerpoint/2010/main" spd="slow" p14:dur="2000">
         <p159:morph option="byObject"/>
       </p:transition>
     </mc:Choice>
-    <mc:Fallback>
+    <mc:Fallback xmlns="">
       <p:transition spd="slow">
         <p:fade/>
       </p:transition>
@@ -49341,13 +49341,13 @@
   <p:clrMapOvr>
     <a:masterClrMapping/>
   </p:clrMapOvr>
-  <mc:AlternateContent xmlns:mc="http://schemas.openxmlformats.org/markup-compatibility/2006">
-    <mc:Choice xmlns:p159="http://schemas.microsoft.com/office/powerpoint/2015/09/main" Requires="p159">
+  <mc:AlternateContent xmlns:mc="http://schemas.openxmlformats.org/markup-compatibility/2006" xmlns:p159="http://schemas.microsoft.com/office/powerpoint/2015/09/main">
+    <mc:Choice Requires="p159">
       <p:transition xmlns:p14="http://schemas.microsoft.com/office/powerpoint/2010/main" spd="slow" p14:dur="2000">
         <p159:morph option="byObject"/>
       </p:transition>
     </mc:Choice>
-    <mc:Fallback>
+    <mc:Fallback xmlns="">
       <p:transition spd="slow">
         <p:fade/>
       </p:transition>
@@ -50143,13 +50143,13 @@
   <p:clrMapOvr>
     <a:masterClrMapping/>
   </p:clrMapOvr>
-  <mc:AlternateContent xmlns:mc="http://schemas.openxmlformats.org/markup-compatibility/2006">
-    <mc:Choice xmlns:p159="http://schemas.microsoft.com/office/powerpoint/2015/09/main" Requires="p159">
+  <mc:AlternateContent xmlns:mc="http://schemas.openxmlformats.org/markup-compatibility/2006" xmlns:p159="http://schemas.microsoft.com/office/powerpoint/2015/09/main">
+    <mc:Choice Requires="p159">
       <p:transition xmlns:p14="http://schemas.microsoft.com/office/powerpoint/2010/main" spd="slow" p14:dur="2000">
         <p159:morph option="byObject"/>
       </p:transition>
     </mc:Choice>
-    <mc:Fallback>
+    <mc:Fallback xmlns="">
       <p:transition spd="slow">
         <p:fade/>
       </p:transition>
